--- a/Advanced NLP - week 11.pptx
+++ b/Advanced NLP - week 11.pptx
@@ -5472,7 +5472,7 @@
                 </a:solidFill>
                 <a:latin typeface="Georgia" panose="02040502050405020303" pitchFamily="18" charset="0"/>
               </a:rPr>
-              <a:t>Team Members</a:t>
+              <a:t>Team Members: Team Trailblazers</a:t>
             </a:r>
             <a:endParaRPr lang="en-GB" dirty="0"/>
           </a:p>
